--- a/figures/workflow_codeathon.pptx
+++ b/figures/workflow_codeathon.pptx
@@ -6,8 +6,7 @@
   </p:sldMasterIdLst>
   <p:sldIdLst>
     <p:sldId id="256" r:id="rId2"/>
-    <p:sldId id="259" r:id="rId3"/>
-    <p:sldId id="258" r:id="rId4"/>
+    <p:sldId id="257" r:id="rId3"/>
   </p:sldIdLst>
   <p:sldSz cx="6480175" cy="6480175"/>
   <p:notesSz cx="6858000" cy="9144000"/>
@@ -3773,10 +3772,10 @@
       </p:grpSpPr>
       <p:sp>
         <p:nvSpPr>
-          <p:cNvPr id="4" name="Rounded Rectangle 3">
+          <p:cNvPr id="46" name="Rounded Rectangle 45">
             <a:extLst>
               <a:ext uri="{FF2B5EF4-FFF2-40B4-BE49-F238E27FC236}">
-                <a16:creationId xmlns:a16="http://schemas.microsoft.com/office/drawing/2014/main" id="{97EAB335-5648-4245-BF2A-203F894E16CC}"/>
+                <a16:creationId xmlns:a16="http://schemas.microsoft.com/office/drawing/2014/main" id="{E1EACF9C-2771-A442-AB5A-7F224733AEAA}"/>
               </a:ext>
             </a:extLst>
           </p:cNvPr>
@@ -3785,15 +3784,17 @@
         </p:nvSpPr>
         <p:spPr>
           <a:xfrm>
-            <a:off x="2309865" y="5173388"/>
-            <a:ext cx="1714442" cy="814572"/>
+            <a:off x="811976" y="2620765"/>
+            <a:ext cx="4680000" cy="773615"/>
           </a:xfrm>
           <a:prstGeom prst="roundRect">
             <a:avLst>
               <a:gd name="adj" fmla="val 0"/>
             </a:avLst>
           </a:prstGeom>
-          <a:ln w="6350" cmpd="sng"/>
+          <a:ln w="6350" cmpd="sng">
+            <a:noFill/>
+          </a:ln>
         </p:spPr>
         <p:style>
           <a:lnRef idx="2">
@@ -3810,7 +3811,7 @@
           </a:fontRef>
         </p:style>
         <p:txBody>
-          <a:bodyPr rot="0" spcFirstLastPara="0" vertOverflow="overflow" horzOverflow="overflow" vert="horz" wrap="square" lIns="0" tIns="0" rIns="0" bIns="0" numCol="1" spcCol="0" rtlCol="0" fromWordArt="0" anchor="ctr" anchorCtr="0" forceAA="0" compatLnSpc="1">
+          <a:bodyPr rot="0" spcFirstLastPara="0" vertOverflow="overflow" horzOverflow="overflow" vert="horz" wrap="square" lIns="36000" tIns="36000" rIns="36000" bIns="36000" numCol="1" spcCol="0" rtlCol="0" fromWordArt="0" anchor="ctr" anchorCtr="0" forceAA="0" compatLnSpc="1">
             <a:prstTxWarp prst="textNoShape">
               <a:avLst/>
             </a:prstTxWarp>
@@ -3820,858 +3821,114 @@
           <a:p>
             <a:pPr algn="ctr"/>
             <a:r>
-              <a:rPr lang="en-US" sz="1000" dirty="0">
-                <a:latin typeface="Arial"/>
-                <a:cs typeface="Arial"/>
+              <a:rPr lang="en-US" sz="6000" b="1" dirty="0">
+                <a:solidFill>
+                  <a:srgbClr val="4082EE"/>
+                </a:solidFill>
+                <a:latin typeface="Futura" panose="020B0602020204020303" pitchFamily="34" charset="-79"/>
+                <a:cs typeface="Futura" panose="020B0602020204020303" pitchFamily="34" charset="-79"/>
               </a:rPr>
-              <a:t>Text</a:t>
-            </a:r>
-          </a:p>
-        </p:txBody>
-      </p:sp>
-      <p:sp>
-        <p:nvSpPr>
-          <p:cNvPr id="5" name="Magnetic Disk 4">
+              <a:t>C</a:t>
+            </a:r>
+            <a:r>
+              <a:rPr lang="en-US" sz="6000" b="1" dirty="0">
+                <a:solidFill>
+                  <a:srgbClr val="E74234"/>
+                </a:solidFill>
+                <a:latin typeface="Futura" panose="020B0602020204020303" pitchFamily="34" charset="-79"/>
+                <a:cs typeface="Futura" panose="020B0602020204020303" pitchFamily="34" charset="-79"/>
+              </a:rPr>
+              <a:t>D</a:t>
+            </a:r>
+            <a:r>
+              <a:rPr lang="en-US" sz="6000" b="1" dirty="0">
+                <a:solidFill>
+                  <a:srgbClr val="FBBC05"/>
+                </a:solidFill>
+                <a:latin typeface="Futura" panose="020B0602020204020303" pitchFamily="34" charset="-79"/>
+                <a:cs typeface="Futura" panose="020B0602020204020303" pitchFamily="34" charset="-79"/>
+              </a:rPr>
+              <a:t>D</a:t>
+            </a:r>
+            <a:r>
+              <a:rPr lang="en-US" sz="6000" b="1" dirty="0">
+                <a:solidFill>
+                  <a:srgbClr val="4082EE"/>
+                </a:solidFill>
+                <a:latin typeface="Futura" panose="020B0602020204020303" pitchFamily="34" charset="-79"/>
+                <a:cs typeface="Futura" panose="020B0602020204020303" pitchFamily="34" charset="-79"/>
+              </a:rPr>
+              <a:t>e</a:t>
+            </a:r>
+            <a:r>
+              <a:rPr lang="en-US" sz="6000" b="1" dirty="0">
+                <a:solidFill>
+                  <a:srgbClr val="34A853"/>
+                </a:solidFill>
+                <a:latin typeface="Futura" panose="020B0602020204020303" pitchFamily="34" charset="-79"/>
+                <a:cs typeface="Futura" panose="020B0602020204020303" pitchFamily="34" charset="-79"/>
+              </a:rPr>
+              <a:t>t</a:t>
+            </a:r>
+            <a:r>
+              <a:rPr lang="en-US" sz="6000" b="1" dirty="0">
+                <a:solidFill>
+                  <a:srgbClr val="FBBC05"/>
+                </a:solidFill>
+                <a:latin typeface="Futura" panose="020B0602020204020303" pitchFamily="34" charset="-79"/>
+                <a:cs typeface="Futura" panose="020B0602020204020303" pitchFamily="34" charset="-79"/>
+              </a:rPr>
+              <a:t>e</a:t>
+            </a:r>
+            <a:r>
+              <a:rPr lang="en-US" sz="6000" b="1" dirty="0">
+                <a:solidFill>
+                  <a:srgbClr val="E74234"/>
+                </a:solidFill>
+                <a:latin typeface="Futura" panose="020B0602020204020303" pitchFamily="34" charset="-79"/>
+                <a:cs typeface="Futura" panose="020B0602020204020303" pitchFamily="34" charset="-79"/>
+              </a:rPr>
+              <a:t>c</a:t>
+            </a:r>
+            <a:r>
+              <a:rPr lang="en-US" sz="6000" b="1" dirty="0">
+                <a:solidFill>
+                  <a:srgbClr val="4082EE"/>
+                </a:solidFill>
+                <a:latin typeface="Futura" panose="020B0602020204020303" pitchFamily="34" charset="-79"/>
+                <a:cs typeface="Futura" panose="020B0602020204020303" pitchFamily="34" charset="-79"/>
+              </a:rPr>
+              <a:t>t</a:t>
+            </a:r>
+            <a:r>
+              <a:rPr lang="en-US" sz="6000" b="1" dirty="0">
+                <a:solidFill>
+                  <a:srgbClr val="34A853"/>
+                </a:solidFill>
+                <a:latin typeface="Futura" panose="020B0602020204020303" pitchFamily="34" charset="-79"/>
+                <a:cs typeface="Futura" panose="020B0602020204020303" pitchFamily="34" charset="-79"/>
+              </a:rPr>
+              <a:t>o</a:t>
+            </a:r>
+            <a:r>
+              <a:rPr lang="en-US" sz="6000" b="1" dirty="0">
+                <a:solidFill>
+                  <a:srgbClr val="FBBC05"/>
+                </a:solidFill>
+                <a:latin typeface="Futura" panose="020B0602020204020303" pitchFamily="34" charset="-79"/>
+                <a:cs typeface="Futura" panose="020B0602020204020303" pitchFamily="34" charset="-79"/>
+              </a:rPr>
+              <a:t>r</a:t>
+            </a:r>
+          </a:p>
+        </p:txBody>
+      </p:sp>
+      <p:grpSp>
+        <p:nvGrpSpPr>
+          <p:cNvPr id="51" name="Group 50">
             <a:extLst>
               <a:ext uri="{FF2B5EF4-FFF2-40B4-BE49-F238E27FC236}">
-                <a16:creationId xmlns:a16="http://schemas.microsoft.com/office/drawing/2014/main" id="{6DD5647A-1B1B-9B4D-87A5-F2EB81AC2A1A}"/>
-              </a:ext>
-            </a:extLst>
-          </p:cNvPr>
-          <p:cNvSpPr/>
-          <p:nvPr/>
-        </p:nvSpPr>
-        <p:spPr>
-          <a:xfrm>
-            <a:off x="199776" y="217354"/>
-            <a:ext cx="1021374" cy="1279850"/>
-          </a:xfrm>
-          <a:prstGeom prst="flowChartMagneticDisk">
-            <a:avLst/>
-          </a:prstGeom>
-          <a:ln w="6350" cmpd="sng"/>
-        </p:spPr>
-        <p:style>
-          <a:lnRef idx="2">
-            <a:schemeClr val="dk1"/>
-          </a:lnRef>
-          <a:fillRef idx="1">
-            <a:schemeClr val="lt1"/>
-          </a:fillRef>
-          <a:effectRef idx="0">
-            <a:schemeClr val="dk1"/>
-          </a:effectRef>
-          <a:fontRef idx="minor">
-            <a:schemeClr val="dk1"/>
-          </a:fontRef>
-        </p:style>
-        <p:txBody>
-          <a:bodyPr rot="0" spcFirstLastPara="0" vertOverflow="overflow" horzOverflow="overflow" vert="horz" wrap="square" lIns="0" tIns="36000" rIns="0" bIns="0" numCol="1" spcCol="0" rtlCol="0" fromWordArt="0" anchor="ctr" anchorCtr="0" forceAA="0" compatLnSpc="1">
-            <a:prstTxWarp prst="textNoShape">
-              <a:avLst/>
-            </a:prstTxWarp>
-            <a:noAutofit/>
-          </a:bodyPr>
-          <a:lstStyle/>
-          <a:p>
-            <a:pPr algn="ctr">
-              <a:lnSpc>
-                <a:spcPct val="80000"/>
-              </a:lnSpc>
-            </a:pPr>
-            <a:r>
-              <a:rPr lang="en-US" sz="1000" dirty="0">
-                <a:latin typeface="Arial"/>
-                <a:cs typeface="Arial"/>
-              </a:rPr>
-              <a:t>CDD</a:t>
-            </a:r>
-          </a:p>
-          <a:p>
-            <a:pPr algn="ctr">
-              <a:lnSpc>
-                <a:spcPct val="80000"/>
-              </a:lnSpc>
-            </a:pPr>
-            <a:r>
-              <a:rPr lang="en-US" sz="1000" dirty="0">
-                <a:latin typeface="Arial"/>
-                <a:cs typeface="Arial"/>
-              </a:rPr>
-              <a:t>PFAM</a:t>
-            </a:r>
-          </a:p>
-          <a:p>
-            <a:pPr algn="ctr">
-              <a:lnSpc>
-                <a:spcPct val="80000"/>
-              </a:lnSpc>
-            </a:pPr>
-            <a:r>
-              <a:rPr lang="en-US" sz="1000" dirty="0">
-                <a:latin typeface="Arial"/>
-                <a:cs typeface="Arial"/>
-              </a:rPr>
-              <a:t>POGs/PVOGs</a:t>
-            </a:r>
-          </a:p>
-        </p:txBody>
-      </p:sp>
-      <p:cxnSp>
-        <p:nvCxnSpPr>
-          <p:cNvPr id="6" name="Straight Arrow Connector 24">
-            <a:extLst>
-              <a:ext uri="{FF2B5EF4-FFF2-40B4-BE49-F238E27FC236}">
-                <a16:creationId xmlns:a16="http://schemas.microsoft.com/office/drawing/2014/main" id="{4B2E720B-A160-A14E-9D7B-D5B0207D96E5}"/>
-              </a:ext>
-            </a:extLst>
-          </p:cNvPr>
-          <p:cNvCxnSpPr>
-            <a:cxnSpLocks/>
-          </p:cNvCxnSpPr>
-          <p:nvPr/>
-        </p:nvCxnSpPr>
-        <p:spPr>
-          <a:xfrm>
-            <a:off x="2309865" y="3810173"/>
-            <a:ext cx="2378386" cy="0"/>
-          </a:xfrm>
-          <a:prstGeom prst="straightConnector1">
-            <a:avLst/>
-          </a:prstGeom>
-          <a:ln w="6350" cmpd="sng">
-            <a:solidFill>
-              <a:srgbClr val="000000"/>
-            </a:solidFill>
-            <a:headEnd type="none"/>
-            <a:tailEnd type="triangle"/>
-          </a:ln>
-          <a:effectLst/>
-        </p:spPr>
-        <p:style>
-          <a:lnRef idx="2">
-            <a:schemeClr val="dk1"/>
-          </a:lnRef>
-          <a:fillRef idx="0">
-            <a:schemeClr val="dk1"/>
-          </a:fillRef>
-          <a:effectRef idx="1">
-            <a:schemeClr val="dk1"/>
-          </a:effectRef>
-          <a:fontRef idx="minor">
-            <a:schemeClr val="tx1"/>
-          </a:fontRef>
-        </p:style>
-      </p:cxnSp>
-      <p:cxnSp>
-        <p:nvCxnSpPr>
-          <p:cNvPr id="7" name="Straight Arrow Connector 24">
-            <a:extLst>
-              <a:ext uri="{FF2B5EF4-FFF2-40B4-BE49-F238E27FC236}">
-                <a16:creationId xmlns:a16="http://schemas.microsoft.com/office/drawing/2014/main" id="{4FE2B428-CCBC-AA49-92AD-384EAD4C67F3}"/>
-              </a:ext>
-            </a:extLst>
-          </p:cNvPr>
-          <p:cNvCxnSpPr>
-            <a:cxnSpLocks/>
-          </p:cNvCxnSpPr>
-          <p:nvPr/>
-        </p:nvCxnSpPr>
-        <p:spPr>
-          <a:xfrm>
-            <a:off x="2309865" y="4112599"/>
-            <a:ext cx="2378386" cy="260225"/>
-          </a:xfrm>
-          <a:prstGeom prst="bentConnector3">
-            <a:avLst>
-              <a:gd name="adj1" fmla="val 50000"/>
-            </a:avLst>
-          </a:prstGeom>
-          <a:ln w="6350" cmpd="sng">
-            <a:solidFill>
-              <a:srgbClr val="000000"/>
-            </a:solidFill>
-            <a:headEnd type="none"/>
-            <a:tailEnd type="triangle"/>
-          </a:ln>
-          <a:effectLst/>
-        </p:spPr>
-        <p:style>
-          <a:lnRef idx="2">
-            <a:schemeClr val="dk1"/>
-          </a:lnRef>
-          <a:fillRef idx="0">
-            <a:schemeClr val="dk1"/>
-          </a:fillRef>
-          <a:effectRef idx="1">
-            <a:schemeClr val="dk1"/>
-          </a:effectRef>
-          <a:fontRef idx="minor">
-            <a:schemeClr val="tx1"/>
-          </a:fontRef>
-        </p:style>
-      </p:cxnSp>
-      <p:sp>
-        <p:nvSpPr>
-          <p:cNvPr id="8" name="Document 7">
-            <a:extLst>
-              <a:ext uri="{FF2B5EF4-FFF2-40B4-BE49-F238E27FC236}">
-                <a16:creationId xmlns:a16="http://schemas.microsoft.com/office/drawing/2014/main" id="{F77C3F05-8B62-7145-A992-753A7305A0A0}"/>
-              </a:ext>
-            </a:extLst>
-          </p:cNvPr>
-          <p:cNvSpPr/>
-          <p:nvPr/>
-        </p:nvSpPr>
-        <p:spPr>
-          <a:xfrm>
-            <a:off x="710463" y="4535884"/>
-            <a:ext cx="1430829" cy="637762"/>
-          </a:xfrm>
-          <a:prstGeom prst="flowChartDocument">
-            <a:avLst/>
-          </a:prstGeom>
-          <a:ln w="6350" cmpd="sng"/>
-        </p:spPr>
-        <p:style>
-          <a:lnRef idx="2">
-            <a:schemeClr val="dk1"/>
-          </a:lnRef>
-          <a:fillRef idx="1">
-            <a:schemeClr val="lt1"/>
-          </a:fillRef>
-          <a:effectRef idx="0">
-            <a:schemeClr val="dk1"/>
-          </a:effectRef>
-          <a:fontRef idx="minor">
-            <a:schemeClr val="dk1"/>
-          </a:fontRef>
-        </p:style>
-        <p:txBody>
-          <a:bodyPr lIns="0" tIns="0" rIns="0" bIns="0" rtlCol="0" anchor="ctr"/>
-          <a:lstStyle/>
-          <a:p>
-            <a:pPr algn="ctr"/>
-            <a:r>
-              <a:rPr lang="en-US" sz="1000" dirty="0">
-                <a:latin typeface="Arial"/>
-                <a:cs typeface="Arial"/>
-              </a:rPr>
-              <a:t>Text</a:t>
-            </a:r>
-          </a:p>
-        </p:txBody>
-      </p:sp>
-      <p:sp>
-        <p:nvSpPr>
-          <p:cNvPr id="9" name="Parallelogram 8">
-            <a:extLst>
-              <a:ext uri="{FF2B5EF4-FFF2-40B4-BE49-F238E27FC236}">
-                <a16:creationId xmlns:a16="http://schemas.microsoft.com/office/drawing/2014/main" id="{59650743-0172-554F-A76C-816CCBAE7224}"/>
-              </a:ext>
-            </a:extLst>
-          </p:cNvPr>
-          <p:cNvSpPr/>
-          <p:nvPr/>
-        </p:nvSpPr>
-        <p:spPr>
-          <a:xfrm>
-            <a:off x="571500" y="3399417"/>
-            <a:ext cx="1485819" cy="562652"/>
-          </a:xfrm>
-          <a:prstGeom prst="parallelogram">
-            <a:avLst/>
-          </a:prstGeom>
-          <a:ln w="6350" cmpd="sng"/>
-        </p:spPr>
-        <p:style>
-          <a:lnRef idx="2">
-            <a:schemeClr val="dk1"/>
-          </a:lnRef>
-          <a:fillRef idx="1">
-            <a:schemeClr val="lt1"/>
-          </a:fillRef>
-          <a:effectRef idx="0">
-            <a:schemeClr val="dk1"/>
-          </a:effectRef>
-          <a:fontRef idx="minor">
-            <a:schemeClr val="dk1"/>
-          </a:fontRef>
-        </p:style>
-        <p:txBody>
-          <a:bodyPr lIns="0" tIns="0" rIns="0" bIns="0" rtlCol="0" anchor="ctr"/>
-          <a:lstStyle/>
-          <a:p>
-            <a:pPr algn="ctr"/>
-            <a:r>
-              <a:rPr lang="en-US" sz="1000" dirty="0">
-                <a:latin typeface="Arial"/>
-                <a:cs typeface="Arial"/>
-              </a:rPr>
-              <a:t>Text</a:t>
-            </a:r>
-          </a:p>
-        </p:txBody>
-      </p:sp>
-      <p:sp>
-        <p:nvSpPr>
-          <p:cNvPr id="10" name="Parallelogram 9">
-            <a:extLst>
-              <a:ext uri="{FF2B5EF4-FFF2-40B4-BE49-F238E27FC236}">
-                <a16:creationId xmlns:a16="http://schemas.microsoft.com/office/drawing/2014/main" id="{25FE76D6-D4CA-C94E-8AA2-6715B5DB4819}"/>
-              </a:ext>
-            </a:extLst>
-          </p:cNvPr>
-          <p:cNvSpPr/>
-          <p:nvPr/>
-        </p:nvSpPr>
-        <p:spPr>
-          <a:xfrm>
-            <a:off x="1668869" y="1262357"/>
-            <a:ext cx="1714442" cy="637717"/>
-          </a:xfrm>
-          <a:prstGeom prst="parallelogram">
-            <a:avLst/>
-          </a:prstGeom>
-          <a:ln w="6350" cmpd="sng"/>
-        </p:spPr>
-        <p:style>
-          <a:lnRef idx="2">
-            <a:schemeClr val="dk1"/>
-          </a:lnRef>
-          <a:fillRef idx="1">
-            <a:schemeClr val="lt1"/>
-          </a:fillRef>
-          <a:effectRef idx="0">
-            <a:schemeClr val="dk1"/>
-          </a:effectRef>
-          <a:fontRef idx="minor">
-            <a:schemeClr val="dk1"/>
-          </a:fontRef>
-        </p:style>
-        <p:txBody>
-          <a:bodyPr lIns="0" tIns="0" rIns="0" bIns="0" rtlCol="0" anchor="ctr"/>
-          <a:lstStyle/>
-          <a:p>
-            <a:pPr algn="ctr"/>
-            <a:r>
-              <a:rPr lang="en-US" sz="1000" b="1" dirty="0">
-                <a:latin typeface="Arial"/>
-                <a:cs typeface="Arial"/>
-              </a:rPr>
-              <a:t>Query sequences: </a:t>
-            </a:r>
-            <a:r>
-              <a:rPr lang="en-US" sz="1000" dirty="0">
-                <a:latin typeface="Arial"/>
-                <a:cs typeface="Arial"/>
-              </a:rPr>
-              <a:t>Assembled metagenomics contigs</a:t>
-            </a:r>
-          </a:p>
-        </p:txBody>
-      </p:sp>
-      <p:sp>
-        <p:nvSpPr>
-          <p:cNvPr id="11" name="Parallelogram 10">
-            <a:extLst>
-              <a:ext uri="{FF2B5EF4-FFF2-40B4-BE49-F238E27FC236}">
-                <a16:creationId xmlns:a16="http://schemas.microsoft.com/office/drawing/2014/main" id="{6AAF0A7E-CB98-4846-9574-3A0B60D4A916}"/>
-              </a:ext>
-            </a:extLst>
-          </p:cNvPr>
-          <p:cNvSpPr/>
-          <p:nvPr/>
-        </p:nvSpPr>
-        <p:spPr>
-          <a:xfrm>
-            <a:off x="1668869" y="305781"/>
-            <a:ext cx="1714442" cy="637717"/>
-          </a:xfrm>
-          <a:prstGeom prst="parallelogram">
-            <a:avLst/>
-          </a:prstGeom>
-          <a:ln w="6350" cmpd="sng"/>
-        </p:spPr>
-        <p:style>
-          <a:lnRef idx="2">
-            <a:schemeClr val="dk1"/>
-          </a:lnRef>
-          <a:fillRef idx="1">
-            <a:schemeClr val="lt1"/>
-          </a:fillRef>
-          <a:effectRef idx="0">
-            <a:schemeClr val="dk1"/>
-          </a:effectRef>
-          <a:fontRef idx="minor">
-            <a:schemeClr val="dk1"/>
-          </a:fontRef>
-        </p:style>
-        <p:txBody>
-          <a:bodyPr lIns="0" tIns="0" rIns="0" bIns="0" rtlCol="0" anchor="ctr"/>
-          <a:lstStyle/>
-          <a:p>
-            <a:pPr algn="ctr"/>
-            <a:r>
-              <a:rPr lang="en-US" sz="1000" b="1" dirty="0">
-                <a:latin typeface="Arial"/>
-                <a:cs typeface="Arial"/>
-              </a:rPr>
-              <a:t>Domain models</a:t>
-            </a:r>
-          </a:p>
-          <a:p>
-            <a:pPr algn="ctr"/>
-            <a:r>
-              <a:rPr lang="en-US" sz="1000" dirty="0">
-                <a:latin typeface="Arial"/>
-                <a:cs typeface="Arial"/>
-              </a:rPr>
-              <a:t>in PSSM format</a:t>
-            </a:r>
-          </a:p>
-        </p:txBody>
-      </p:sp>
-      <p:cxnSp>
-        <p:nvCxnSpPr>
-          <p:cNvPr id="12" name="Straight Arrow Connector 24">
-            <a:extLst>
-              <a:ext uri="{FF2B5EF4-FFF2-40B4-BE49-F238E27FC236}">
-                <a16:creationId xmlns:a16="http://schemas.microsoft.com/office/drawing/2014/main" id="{00B0EA9F-32AA-B24A-AA75-7689E6D05518}"/>
-              </a:ext>
-            </a:extLst>
-          </p:cNvPr>
-          <p:cNvCxnSpPr>
-            <a:cxnSpLocks/>
-            <a:stCxn id="5" idx="4"/>
-            <a:endCxn id="11" idx="5"/>
-          </p:cNvCxnSpPr>
-          <p:nvPr/>
-        </p:nvCxnSpPr>
-        <p:spPr>
-          <a:xfrm flipV="1">
-            <a:off x="1221150" y="624640"/>
-            <a:ext cx="527434" cy="232639"/>
-          </a:xfrm>
-          <a:prstGeom prst="bentConnector3">
-            <a:avLst>
-              <a:gd name="adj1" fmla="val 50000"/>
-            </a:avLst>
-          </a:prstGeom>
-          <a:ln w="6350" cmpd="sng">
-            <a:solidFill>
-              <a:srgbClr val="000000"/>
-            </a:solidFill>
-            <a:headEnd type="none"/>
-            <a:tailEnd type="triangle"/>
-          </a:ln>
-          <a:effectLst/>
-        </p:spPr>
-        <p:style>
-          <a:lnRef idx="2">
-            <a:schemeClr val="dk1"/>
-          </a:lnRef>
-          <a:fillRef idx="0">
-            <a:schemeClr val="dk1"/>
-          </a:fillRef>
-          <a:effectRef idx="1">
-            <a:schemeClr val="dk1"/>
-          </a:effectRef>
-          <a:fontRef idx="minor">
-            <a:schemeClr val="tx1"/>
-          </a:fontRef>
-        </p:style>
-      </p:cxnSp>
-      <p:sp>
-        <p:nvSpPr>
-          <p:cNvPr id="16" name="Rounded Rectangle 15">
-            <a:extLst>
-              <a:ext uri="{FF2B5EF4-FFF2-40B4-BE49-F238E27FC236}">
-                <a16:creationId xmlns:a16="http://schemas.microsoft.com/office/drawing/2014/main" id="{8AD89DAB-149B-6348-84A1-E1179E6728FC}"/>
-              </a:ext>
-            </a:extLst>
-          </p:cNvPr>
-          <p:cNvSpPr/>
-          <p:nvPr/>
-        </p:nvSpPr>
-        <p:spPr>
-          <a:xfrm>
-            <a:off x="3644928" y="624639"/>
-            <a:ext cx="1170602" cy="1115367"/>
-          </a:xfrm>
-          <a:prstGeom prst="roundRect">
-            <a:avLst>
-              <a:gd name="adj" fmla="val 0"/>
-            </a:avLst>
-          </a:prstGeom>
-          <a:ln w="6350" cmpd="sng"/>
-        </p:spPr>
-        <p:style>
-          <a:lnRef idx="2">
-            <a:schemeClr val="dk1"/>
-          </a:lnRef>
-          <a:fillRef idx="1">
-            <a:schemeClr val="lt1"/>
-          </a:fillRef>
-          <a:effectRef idx="0">
-            <a:schemeClr val="dk1"/>
-          </a:effectRef>
-          <a:fontRef idx="minor">
-            <a:schemeClr val="dk1"/>
-          </a:fontRef>
-        </p:style>
-        <p:txBody>
-          <a:bodyPr rot="0" spcFirstLastPara="0" vertOverflow="overflow" horzOverflow="overflow" vert="horz" wrap="square" lIns="0" tIns="0" rIns="0" bIns="0" numCol="1" spcCol="0" rtlCol="0" fromWordArt="0" anchor="ctr" anchorCtr="0" forceAA="0" compatLnSpc="1">
-            <a:prstTxWarp prst="textNoShape">
-              <a:avLst/>
-            </a:prstTxWarp>
-            <a:noAutofit/>
-          </a:bodyPr>
-          <a:lstStyle/>
-          <a:p>
-            <a:pPr algn="ctr"/>
-            <a:r>
-              <a:rPr lang="en-US" sz="1000" b="1" dirty="0">
-                <a:latin typeface="Arial"/>
-                <a:cs typeface="Arial"/>
-              </a:rPr>
-              <a:t>Domain search</a:t>
-            </a:r>
-          </a:p>
-          <a:p>
-            <a:pPr algn="ctr"/>
-            <a:r>
-              <a:rPr lang="en-US" sz="1000" dirty="0">
-                <a:latin typeface="Arial"/>
-                <a:cs typeface="Arial"/>
-              </a:rPr>
-              <a:t>using Reverse Position-Specific BLAST</a:t>
-            </a:r>
-          </a:p>
-          <a:p>
-            <a:pPr algn="ctr"/>
-            <a:r>
-              <a:rPr lang="en-US" sz="1000" dirty="0">
-                <a:latin typeface="Arial"/>
-                <a:cs typeface="Arial"/>
-              </a:rPr>
-              <a:t>(RPS-BLAST) </a:t>
-            </a:r>
-            <a:r>
-              <a:rPr lang="en-US" sz="1000" i="1" dirty="0">
-                <a:latin typeface="Arial"/>
-                <a:cs typeface="Arial"/>
-              </a:rPr>
-              <a:t>or</a:t>
-            </a:r>
-            <a:r>
-              <a:rPr lang="en-US" sz="1000" dirty="0">
-                <a:latin typeface="Arial"/>
-                <a:cs typeface="Arial"/>
-              </a:rPr>
-              <a:t> Mash</a:t>
-            </a:r>
-          </a:p>
-        </p:txBody>
-      </p:sp>
-      <p:sp>
-        <p:nvSpPr>
-          <p:cNvPr id="17" name="Document 16">
-            <a:extLst>
-              <a:ext uri="{FF2B5EF4-FFF2-40B4-BE49-F238E27FC236}">
-                <a16:creationId xmlns:a16="http://schemas.microsoft.com/office/drawing/2014/main" id="{21492C51-BBF5-4744-BC21-178273768934}"/>
-              </a:ext>
-            </a:extLst>
-          </p:cNvPr>
-          <p:cNvSpPr/>
-          <p:nvPr/>
-        </p:nvSpPr>
-        <p:spPr>
-          <a:xfrm>
-            <a:off x="4891617" y="1487922"/>
-            <a:ext cx="1430829" cy="637762"/>
-          </a:xfrm>
-          <a:prstGeom prst="flowChartDocument">
-            <a:avLst/>
-          </a:prstGeom>
-          <a:ln w="6350" cmpd="sng"/>
-        </p:spPr>
-        <p:style>
-          <a:lnRef idx="2">
-            <a:schemeClr val="dk1"/>
-          </a:lnRef>
-          <a:fillRef idx="1">
-            <a:schemeClr val="lt1"/>
-          </a:fillRef>
-          <a:effectRef idx="0">
-            <a:schemeClr val="dk1"/>
-          </a:effectRef>
-          <a:fontRef idx="minor">
-            <a:schemeClr val="dk1"/>
-          </a:fontRef>
-        </p:style>
-        <p:txBody>
-          <a:bodyPr lIns="0" tIns="0" rIns="0" bIns="0" rtlCol="0" anchor="ctr"/>
-          <a:lstStyle/>
-          <a:p>
-            <a:pPr algn="ctr"/>
-            <a:r>
-              <a:rPr lang="en-US" sz="1000" dirty="0">
-                <a:latin typeface="Arial"/>
-                <a:cs typeface="Arial"/>
-              </a:rPr>
-              <a:t>Text</a:t>
-            </a:r>
-          </a:p>
-        </p:txBody>
-      </p:sp>
-      <p:sp>
-        <p:nvSpPr>
-          <p:cNvPr id="18" name="Document 17">
-            <a:extLst>
-              <a:ext uri="{FF2B5EF4-FFF2-40B4-BE49-F238E27FC236}">
-                <a16:creationId xmlns:a16="http://schemas.microsoft.com/office/drawing/2014/main" id="{94CCCF86-44D9-F042-8B31-406F351DE08F}"/>
-              </a:ext>
-            </a:extLst>
-          </p:cNvPr>
-          <p:cNvSpPr/>
-          <p:nvPr/>
-        </p:nvSpPr>
-        <p:spPr>
-          <a:xfrm>
-            <a:off x="4891617" y="219517"/>
-            <a:ext cx="1430829" cy="1042840"/>
-          </a:xfrm>
-          <a:prstGeom prst="flowChartDocument">
-            <a:avLst/>
-          </a:prstGeom>
-          <a:ln w="6350" cmpd="sng"/>
-        </p:spPr>
-        <p:style>
-          <a:lnRef idx="2">
-            <a:schemeClr val="dk1"/>
-          </a:lnRef>
-          <a:fillRef idx="1">
-            <a:schemeClr val="lt1"/>
-          </a:fillRef>
-          <a:effectRef idx="0">
-            <a:schemeClr val="dk1"/>
-          </a:effectRef>
-          <a:fontRef idx="minor">
-            <a:schemeClr val="dk1"/>
-          </a:fontRef>
-        </p:style>
-        <p:txBody>
-          <a:bodyPr lIns="0" tIns="0" rIns="0" bIns="0" rtlCol="0" anchor="ctr"/>
-          <a:lstStyle/>
-          <a:p>
-            <a:pPr algn="ctr"/>
-            <a:r>
-              <a:rPr lang="en-US" sz="1000" dirty="0">
-                <a:latin typeface="Arial"/>
-                <a:cs typeface="Arial"/>
-              </a:rPr>
-              <a:t>Output</a:t>
-            </a:r>
-          </a:p>
-          <a:p>
-            <a:pPr algn="ctr"/>
-            <a:r>
-              <a:rPr lang="en-US" sz="1000" dirty="0">
-                <a:latin typeface="Arial"/>
-                <a:cs typeface="Arial"/>
-              </a:rPr>
-              <a:t>Tab-delimited file containing: (1) domain ID; (2) contig locations; and Scores</a:t>
-            </a:r>
-          </a:p>
-        </p:txBody>
-      </p:sp>
-    </p:spTree>
-    <p:extLst>
-      <p:ext uri="{BB962C8B-B14F-4D97-AF65-F5344CB8AC3E}">
-        <p14:creationId xmlns:p14="http://schemas.microsoft.com/office/powerpoint/2010/main" val="1906555218"/>
-      </p:ext>
-    </p:extLst>
-  </p:cSld>
-  <p:clrMapOvr>
-    <a:masterClrMapping/>
-  </p:clrMapOvr>
-</p:sld>
-</file>
-
-<file path=ppt/slides/slide3.xml><?xml version="1.0" encoding="utf-8"?>
-<p:sld xmlns:a="http://schemas.openxmlformats.org/drawingml/2006/main" xmlns:r="http://schemas.openxmlformats.org/officeDocument/2006/relationships" xmlns:p="http://schemas.openxmlformats.org/presentationml/2006/main">
-  <p:cSld>
-    <p:spTree>
-      <p:nvGrpSpPr>
-        <p:cNvPr id="1" name=""/>
-        <p:cNvGrpSpPr/>
-        <p:nvPr/>
-      </p:nvGrpSpPr>
-      <p:grpSpPr>
-        <a:xfrm>
-          <a:off x="0" y="0"/>
-          <a:ext cx="0" cy="0"/>
-          <a:chOff x="0" y="0"/>
-          <a:chExt cx="0" cy="0"/>
-        </a:xfrm>
-      </p:grpSpPr>
-      <p:cxnSp>
-        <p:nvCxnSpPr>
-          <p:cNvPr id="4" name="Straight Arrow Connector 24">
-            <a:extLst>
-              <a:ext uri="{FF2B5EF4-FFF2-40B4-BE49-F238E27FC236}">
-                <a16:creationId xmlns:a16="http://schemas.microsoft.com/office/drawing/2014/main" id="{C670D7B0-80B7-F449-B060-63BF1824AD2D}"/>
-              </a:ext>
-            </a:extLst>
-          </p:cNvPr>
-          <p:cNvCxnSpPr>
-            <a:cxnSpLocks/>
-            <a:stCxn id="12" idx="3"/>
-            <a:endCxn id="18" idx="1"/>
-          </p:cNvCxnSpPr>
-          <p:nvPr/>
-        </p:nvCxnSpPr>
-        <p:spPr>
-          <a:xfrm>
-            <a:off x="2371880" y="1148057"/>
-            <a:ext cx="2051607" cy="1266059"/>
-          </a:xfrm>
-          <a:prstGeom prst="bentConnector3">
-            <a:avLst>
-              <a:gd name="adj1" fmla="val 50000"/>
-            </a:avLst>
-          </a:prstGeom>
-          <a:ln w="6350" cmpd="sng">
-            <a:solidFill>
-              <a:srgbClr val="000000"/>
-            </a:solidFill>
-            <a:headEnd type="none"/>
-            <a:tailEnd type="triangle"/>
-          </a:ln>
-          <a:effectLst/>
-        </p:spPr>
-        <p:style>
-          <a:lnRef idx="2">
-            <a:schemeClr val="dk1"/>
-          </a:lnRef>
-          <a:fillRef idx="0">
-            <a:schemeClr val="dk1"/>
-          </a:fillRef>
-          <a:effectRef idx="1">
-            <a:schemeClr val="dk1"/>
-          </a:effectRef>
-          <a:fontRef idx="minor">
-            <a:schemeClr val="tx1"/>
-          </a:fontRef>
-        </p:style>
-      </p:cxnSp>
-      <p:cxnSp>
-        <p:nvCxnSpPr>
-          <p:cNvPr id="5" name="Straight Arrow Connector 24">
-            <a:extLst>
-              <a:ext uri="{FF2B5EF4-FFF2-40B4-BE49-F238E27FC236}">
-                <a16:creationId xmlns:a16="http://schemas.microsoft.com/office/drawing/2014/main" id="{D61B6C47-CA82-A54D-9F9F-D949F5B61AAC}"/>
-              </a:ext>
-            </a:extLst>
-          </p:cNvPr>
-          <p:cNvCxnSpPr>
-            <a:cxnSpLocks/>
-            <a:stCxn id="9" idx="3"/>
-            <a:endCxn id="18" idx="1"/>
-          </p:cNvCxnSpPr>
-          <p:nvPr/>
-        </p:nvCxnSpPr>
-        <p:spPr>
-          <a:xfrm flipV="1">
-            <a:off x="2370961" y="2414116"/>
-            <a:ext cx="2052526" cy="1145769"/>
-          </a:xfrm>
-          <a:prstGeom prst="bentConnector3">
-            <a:avLst>
-              <a:gd name="adj1" fmla="val 50000"/>
-            </a:avLst>
-          </a:prstGeom>
-          <a:ln w="6350" cmpd="sng">
-            <a:solidFill>
-              <a:srgbClr val="000000"/>
-            </a:solidFill>
-            <a:headEnd type="none"/>
-            <a:tailEnd type="triangle"/>
-          </a:ln>
-          <a:effectLst/>
-        </p:spPr>
-        <p:style>
-          <a:lnRef idx="2">
-            <a:schemeClr val="dk1"/>
-          </a:lnRef>
-          <a:fillRef idx="0">
-            <a:schemeClr val="dk1"/>
-          </a:fillRef>
-          <a:effectRef idx="1">
-            <a:schemeClr val="dk1"/>
-          </a:effectRef>
-          <a:fontRef idx="minor">
-            <a:schemeClr val="tx1"/>
-          </a:fontRef>
-        </p:style>
-      </p:cxnSp>
-      <p:cxnSp>
-        <p:nvCxnSpPr>
-          <p:cNvPr id="6" name="Straight Arrow Connector 24">
-            <a:extLst>
-              <a:ext uri="{FF2B5EF4-FFF2-40B4-BE49-F238E27FC236}">
-                <a16:creationId xmlns:a16="http://schemas.microsoft.com/office/drawing/2014/main" id="{5850B6E0-EF5F-AB45-BBD4-C33AB2349168}"/>
-              </a:ext>
-            </a:extLst>
-          </p:cNvPr>
-          <p:cNvCxnSpPr>
-            <a:cxnSpLocks/>
-            <a:stCxn id="18" idx="3"/>
-            <a:endCxn id="15" idx="1"/>
-          </p:cNvCxnSpPr>
-          <p:nvPr/>
-        </p:nvCxnSpPr>
-        <p:spPr>
-          <a:xfrm flipV="1">
-            <a:off x="6348847" y="2413088"/>
-            <a:ext cx="1486062" cy="1028"/>
-          </a:xfrm>
-          <a:prstGeom prst="bentConnector3">
-            <a:avLst>
-              <a:gd name="adj1" fmla="val 50000"/>
-            </a:avLst>
-          </a:prstGeom>
-          <a:ln w="6350" cmpd="sng">
-            <a:solidFill>
-              <a:srgbClr val="000000"/>
-            </a:solidFill>
-            <a:headEnd type="none"/>
-            <a:tailEnd type="triangle"/>
-          </a:ln>
-          <a:effectLst/>
-        </p:spPr>
-        <p:style>
-          <a:lnRef idx="2">
-            <a:schemeClr val="dk1"/>
-          </a:lnRef>
-          <a:fillRef idx="0">
-            <a:schemeClr val="dk1"/>
-          </a:fillRef>
-          <a:effectRef idx="1">
-            <a:schemeClr val="dk1"/>
-          </a:effectRef>
-          <a:fontRef idx="minor">
-            <a:schemeClr val="tx1"/>
-          </a:fontRef>
-        </p:style>
-      </p:cxnSp>
-      <p:grpSp>
-        <p:nvGrpSpPr>
-          <p:cNvPr id="7" name="Group 6">
-            <a:extLst>
-              <a:ext uri="{FF2B5EF4-FFF2-40B4-BE49-F238E27FC236}">
-                <a16:creationId xmlns:a16="http://schemas.microsoft.com/office/drawing/2014/main" id="{D212C377-4682-8B47-98A3-B0A7D20C11AF}"/>
+                <a16:creationId xmlns:a16="http://schemas.microsoft.com/office/drawing/2014/main" id="{889BE5DA-7F9B-A046-8E7A-211337C9AF69}"/>
               </a:ext>
             </a:extLst>
           </p:cNvPr>
@@ -4679,19 +3936,19 @@
           <p:nvPr/>
         </p:nvGrpSpPr>
         <p:grpSpPr>
-          <a:xfrm>
-            <a:off x="445601" y="3198629"/>
-            <a:ext cx="1926279" cy="1802510"/>
-            <a:chOff x="2875965" y="2742840"/>
-            <a:chExt cx="1926279" cy="1802510"/>
+          <a:xfrm rot="10800000" flipV="1">
+            <a:off x="811976" y="3553914"/>
+            <a:ext cx="4680000" cy="307515"/>
+            <a:chOff x="5944287" y="1085583"/>
+            <a:chExt cx="1117600" cy="73435"/>
           </a:xfrm>
         </p:grpSpPr>
         <p:sp>
           <p:nvSpPr>
-            <p:cNvPr id="8" name="Process 7">
+            <p:cNvPr id="52" name="Rounded Rectangle 51">
               <a:extLst>
                 <a:ext uri="{FF2B5EF4-FFF2-40B4-BE49-F238E27FC236}">
-                  <a16:creationId xmlns:a16="http://schemas.microsoft.com/office/drawing/2014/main" id="{60D8A713-B38A-4F4B-8F89-525FBF54D052}"/>
+                  <a16:creationId xmlns:a16="http://schemas.microsoft.com/office/drawing/2014/main" id="{CA48D4F7-7EC8-F540-A25F-45B672C3BA7B}"/>
                 </a:ext>
               </a:extLst>
             </p:cNvPr>
@@ -4700,19 +3957,18 @@
           </p:nvSpPr>
           <p:spPr>
             <a:xfrm>
-              <a:off x="2876884" y="3465350"/>
-              <a:ext cx="1925360" cy="1080000"/>
+              <a:off x="5944287" y="1085583"/>
+              <a:ext cx="192424" cy="73435"/>
             </a:xfrm>
-            <a:prstGeom prst="flowChartProcess">
-              <a:avLst/>
+            <a:prstGeom prst="roundRect">
+              <a:avLst>
+                <a:gd name="adj" fmla="val 50000"/>
+              </a:avLst>
             </a:prstGeom>
             <a:solidFill>
-              <a:schemeClr val="accent6">
-                <a:lumMod val="20000"/>
-                <a:lumOff val="80000"/>
-              </a:schemeClr>
+              <a:srgbClr val="FBBC05"/>
             </a:solidFill>
-            <a:ln w="6350" cmpd="sng">
+            <a:ln w="3175" cmpd="sng">
               <a:noFill/>
             </a:ln>
           </p:spPr>
@@ -4731,45 +3987,20 @@
             </a:fontRef>
           </p:style>
           <p:txBody>
-            <a:bodyPr rot="0" spcFirstLastPara="0" vertOverflow="overflow" horzOverflow="overflow" vert="horz" wrap="square" lIns="0" tIns="0" rIns="0" bIns="0" numCol="1" spcCol="0" rtlCol="0" fromWordArt="0" anchor="ctr" anchorCtr="0" forceAA="0" compatLnSpc="1">
-              <a:prstTxWarp prst="textNoShape">
-                <a:avLst/>
-              </a:prstTxWarp>
-              <a:noAutofit/>
-            </a:bodyPr>
+            <a:bodyPr rtlCol="0" anchor="ctr"/>
             <a:lstStyle/>
             <a:p>
-              <a:pPr marL="0" lvl="1" algn="ctr"/>
-              <a:r>
-                <a:rPr lang="en-US" sz="1400" dirty="0">
-                  <a:latin typeface="Arial" panose="020B0604020202020204" pitchFamily="34" charset="0"/>
-                  <a:cs typeface="Arial" panose="020B0604020202020204" pitchFamily="34" charset="0"/>
-                </a:rPr>
-                <a:t>Existing domain models (from CDD, PFAM, POGs/PVOGs, </a:t>
-              </a:r>
-              <a:r>
-                <a:rPr lang="en-US" sz="1400" dirty="0" err="1">
-                  <a:latin typeface="Arial" panose="020B0604020202020204" pitchFamily="34" charset="0"/>
-                  <a:cs typeface="Arial" panose="020B0604020202020204" pitchFamily="34" charset="0"/>
-                </a:rPr>
-                <a:t>etc</a:t>
-              </a:r>
-              <a:r>
-                <a:rPr lang="en-US" sz="1400" dirty="0">
-                  <a:latin typeface="Arial" panose="020B0604020202020204" pitchFamily="34" charset="0"/>
-                  <a:cs typeface="Arial" panose="020B0604020202020204" pitchFamily="34" charset="0"/>
-                </a:rPr>
-                <a:t>)</a:t>
-              </a:r>
+              <a:pPr algn="ctr"/>
+              <a:endParaRPr lang="en-US"/>
             </a:p>
           </p:txBody>
         </p:sp>
         <p:sp>
           <p:nvSpPr>
-            <p:cNvPr id="9" name="Process 8">
+            <p:cNvPr id="53" name="Rounded Rectangle 52">
               <a:extLst>
                 <a:ext uri="{FF2B5EF4-FFF2-40B4-BE49-F238E27FC236}">
-                  <a16:creationId xmlns:a16="http://schemas.microsoft.com/office/drawing/2014/main" id="{93F647F8-EEE6-7248-AF69-543CC8D89917}"/>
+                  <a16:creationId xmlns:a16="http://schemas.microsoft.com/office/drawing/2014/main" id="{7ED19BAF-8600-E348-A105-B6C22E625514}"/>
                 </a:ext>
               </a:extLst>
             </p:cNvPr>
@@ -4778,96 +4009,18 @@
           </p:nvSpPr>
           <p:spPr>
             <a:xfrm>
-              <a:off x="2875965" y="2742840"/>
-              <a:ext cx="1925360" cy="722512"/>
+              <a:off x="6169192" y="1085583"/>
+              <a:ext cx="192424" cy="73435"/>
             </a:xfrm>
-            <a:prstGeom prst="flowChartProcess">
-              <a:avLst/>
-            </a:prstGeom>
-            <a:ln w="6350" cmpd="sng"/>
-          </p:spPr>
-          <p:style>
-            <a:lnRef idx="2">
-              <a:schemeClr val="dk1"/>
-            </a:lnRef>
-            <a:fillRef idx="1">
-              <a:schemeClr val="lt1"/>
-            </a:fillRef>
-            <a:effectRef idx="0">
-              <a:schemeClr val="dk1"/>
-            </a:effectRef>
-            <a:fontRef idx="minor">
-              <a:schemeClr val="dk1"/>
-            </a:fontRef>
-          </p:style>
-          <p:txBody>
-            <a:bodyPr rot="0" spcFirstLastPara="0" vertOverflow="overflow" horzOverflow="overflow" vert="horz" wrap="square" lIns="0" tIns="0" rIns="0" bIns="0" numCol="1" spcCol="0" rtlCol="0" fromWordArt="0" anchor="ctr" anchorCtr="0" forceAA="0" compatLnSpc="1">
-              <a:prstTxWarp prst="textNoShape">
-                <a:avLst/>
-              </a:prstTxWarp>
-              <a:noAutofit/>
-            </a:bodyPr>
-            <a:lstStyle/>
-            <a:p>
-              <a:pPr algn="ctr"/>
-              <a:r>
-                <a:rPr lang="en-US" b="1" dirty="0">
-                  <a:latin typeface="Arial" panose="020B0604020202020204" pitchFamily="34" charset="0"/>
-                  <a:cs typeface="Arial" panose="020B0604020202020204" pitchFamily="34" charset="0"/>
-                </a:rPr>
-                <a:t>Domain models</a:t>
-              </a:r>
-            </a:p>
-          </p:txBody>
-        </p:sp>
-      </p:grpSp>
-      <p:grpSp>
-        <p:nvGrpSpPr>
-          <p:cNvPr id="10" name="Group 9">
-            <a:extLst>
-              <a:ext uri="{FF2B5EF4-FFF2-40B4-BE49-F238E27FC236}">
-                <a16:creationId xmlns:a16="http://schemas.microsoft.com/office/drawing/2014/main" id="{DEBF59C8-BD4F-EB48-956D-20537F121FF4}"/>
-              </a:ext>
-            </a:extLst>
-          </p:cNvPr>
-          <p:cNvGrpSpPr/>
-          <p:nvPr/>
-        </p:nvGrpSpPr>
-        <p:grpSpPr>
-          <a:xfrm>
-            <a:off x="446520" y="786801"/>
-            <a:ext cx="1925360" cy="1781525"/>
-            <a:chOff x="542302" y="1782248"/>
-            <a:chExt cx="1925360" cy="1781525"/>
-          </a:xfrm>
-        </p:grpSpPr>
-        <p:sp>
-          <p:nvSpPr>
-            <p:cNvPr id="11" name="Process 10">
-              <a:extLst>
-                <a:ext uri="{FF2B5EF4-FFF2-40B4-BE49-F238E27FC236}">
-                  <a16:creationId xmlns:a16="http://schemas.microsoft.com/office/drawing/2014/main" id="{1DCB2B12-4125-6243-BF86-96565C541C10}"/>
-                </a:ext>
-              </a:extLst>
-            </p:cNvPr>
-            <p:cNvSpPr/>
-            <p:nvPr/>
-          </p:nvSpPr>
-          <p:spPr>
-            <a:xfrm>
-              <a:off x="542302" y="2483773"/>
-              <a:ext cx="1925360" cy="1080000"/>
-            </a:xfrm>
-            <a:prstGeom prst="flowChartProcess">
-              <a:avLst/>
+            <a:prstGeom prst="roundRect">
+              <a:avLst>
+                <a:gd name="adj" fmla="val 50000"/>
+              </a:avLst>
             </a:prstGeom>
             <a:solidFill>
-              <a:schemeClr val="accent1">
-                <a:lumMod val="20000"/>
-                <a:lumOff val="80000"/>
-              </a:schemeClr>
+              <a:srgbClr val="E74234"/>
             </a:solidFill>
-            <a:ln w="6350" cmpd="sng">
+            <a:ln w="3175" cmpd="sng">
               <a:noFill/>
             </a:ln>
           </p:spPr>
@@ -4886,45 +4039,20 @@
             </a:fontRef>
           </p:style>
           <p:txBody>
-            <a:bodyPr rot="0" spcFirstLastPara="0" vertOverflow="overflow" horzOverflow="overflow" vert="horz" wrap="square" lIns="0" tIns="0" rIns="0" bIns="0" numCol="1" spcCol="0" rtlCol="0" fromWordArt="0" anchor="ctr" anchorCtr="0" forceAA="0" compatLnSpc="1">
-              <a:prstTxWarp prst="textNoShape">
-                <a:avLst/>
-              </a:prstTxWarp>
-              <a:noAutofit/>
-            </a:bodyPr>
+            <a:bodyPr rtlCol="0" anchor="ctr"/>
             <a:lstStyle/>
             <a:p>
               <a:pPr algn="ctr"/>
-              <a:r>
-                <a:rPr lang="en-US" sz="1400" dirty="0">
-                  <a:latin typeface="Arial" panose="020B0604020202020204" pitchFamily="34" charset="0"/>
-                  <a:cs typeface="Arial" panose="020B0604020202020204" pitchFamily="34" charset="0"/>
-                </a:rPr>
-                <a:t>Codeathon1 (CA#1) translated ORFs</a:t>
-              </a:r>
-            </a:p>
-            <a:p>
-              <a:pPr algn="ctr"/>
-              <a:r>
-                <a:rPr lang="en-US" sz="1400" dirty="0">
-                  <a:latin typeface="Arial" panose="020B0604020202020204" pitchFamily="34" charset="0"/>
-                  <a:cs typeface="Arial" panose="020B0604020202020204" pitchFamily="34" charset="0"/>
-                </a:rPr>
-                <a:t>(3,000+ datasets) </a:t>
-              </a:r>
-              <a:endParaRPr lang="en-US" sz="1400" dirty="0">
-                <a:latin typeface="Arial"/>
-                <a:cs typeface="Arial"/>
-              </a:endParaRPr>
+              <a:endParaRPr lang="en-US"/>
             </a:p>
           </p:txBody>
         </p:sp>
         <p:sp>
           <p:nvSpPr>
-            <p:cNvPr id="12" name="Process 11">
+            <p:cNvPr id="54" name="Rounded Rectangle 53">
               <a:extLst>
                 <a:ext uri="{FF2B5EF4-FFF2-40B4-BE49-F238E27FC236}">
-                  <a16:creationId xmlns:a16="http://schemas.microsoft.com/office/drawing/2014/main" id="{F8BC87E2-C52D-2E4F-A0CE-DAD4C4F9DF63}"/>
+                  <a16:creationId xmlns:a16="http://schemas.microsoft.com/office/drawing/2014/main" id="{72A83148-A8F8-3F43-BF8A-F6D270CA7275}"/>
                 </a:ext>
               </a:extLst>
             </p:cNvPr>
@@ -4933,103 +4061,18 @@
           </p:nvSpPr>
           <p:spPr>
             <a:xfrm>
-              <a:off x="542302" y="1782248"/>
-              <a:ext cx="1925360" cy="722512"/>
+              <a:off x="6394096" y="1085583"/>
+              <a:ext cx="667791" cy="73435"/>
             </a:xfrm>
-            <a:prstGeom prst="flowChartProcess">
-              <a:avLst/>
-            </a:prstGeom>
-            <a:ln w="6350" cmpd="sng"/>
-          </p:spPr>
-          <p:style>
-            <a:lnRef idx="2">
-              <a:schemeClr val="dk1"/>
-            </a:lnRef>
-            <a:fillRef idx="1">
-              <a:schemeClr val="lt1"/>
-            </a:fillRef>
-            <a:effectRef idx="0">
-              <a:schemeClr val="dk1"/>
-            </a:effectRef>
-            <a:fontRef idx="minor">
-              <a:schemeClr val="dk1"/>
-            </a:fontRef>
-          </p:style>
-          <p:txBody>
-            <a:bodyPr rot="0" spcFirstLastPara="0" vertOverflow="overflow" horzOverflow="overflow" vert="horz" wrap="square" lIns="0" tIns="0" rIns="0" bIns="0" numCol="1" spcCol="0" rtlCol="0" fromWordArt="0" anchor="ctr" anchorCtr="0" forceAA="0" compatLnSpc="1">
-              <a:prstTxWarp prst="textNoShape">
-                <a:avLst/>
-              </a:prstTxWarp>
-              <a:noAutofit/>
-            </a:bodyPr>
-            <a:lstStyle/>
-            <a:p>
-              <a:pPr algn="ctr"/>
-              <a:r>
-                <a:rPr lang="en-US" b="1" dirty="0">
-                  <a:latin typeface="Arial"/>
-                  <a:cs typeface="Arial"/>
-                </a:rPr>
-                <a:t>Query</a:t>
-              </a:r>
-            </a:p>
-            <a:p>
-              <a:pPr algn="ctr"/>
-              <a:r>
-                <a:rPr lang="en-US" b="1" dirty="0">
-                  <a:latin typeface="Arial"/>
-                  <a:cs typeface="Arial"/>
-                </a:rPr>
-                <a:t>sequences</a:t>
-              </a:r>
-            </a:p>
-          </p:txBody>
-        </p:sp>
-      </p:grpSp>
-      <p:grpSp>
-        <p:nvGrpSpPr>
-          <p:cNvPr id="13" name="Group 12">
-            <a:extLst>
-              <a:ext uri="{FF2B5EF4-FFF2-40B4-BE49-F238E27FC236}">
-                <a16:creationId xmlns:a16="http://schemas.microsoft.com/office/drawing/2014/main" id="{51A77158-CDA4-2549-9457-A43FAB5793A0}"/>
-              </a:ext>
-            </a:extLst>
-          </p:cNvPr>
-          <p:cNvGrpSpPr/>
-          <p:nvPr/>
-        </p:nvGrpSpPr>
-        <p:grpSpPr>
-          <a:xfrm>
-            <a:off x="7834909" y="2051832"/>
-            <a:ext cx="1925360" cy="1802512"/>
-            <a:chOff x="8787941" y="4917030"/>
-            <a:chExt cx="1925360" cy="1802512"/>
-          </a:xfrm>
-        </p:grpSpPr>
-        <p:sp>
-          <p:nvSpPr>
-            <p:cNvPr id="14" name="Process 13">
-              <a:extLst>
-                <a:ext uri="{FF2B5EF4-FFF2-40B4-BE49-F238E27FC236}">
-                  <a16:creationId xmlns:a16="http://schemas.microsoft.com/office/drawing/2014/main" id="{0E826334-403C-734C-A591-7BBAAFF97F4B}"/>
-                </a:ext>
-              </a:extLst>
-            </p:cNvPr>
-            <p:cNvSpPr/>
-            <p:nvPr/>
-          </p:nvSpPr>
-          <p:spPr>
-            <a:xfrm>
-              <a:off x="8787941" y="5639542"/>
-              <a:ext cx="1925360" cy="1080000"/>
-            </a:xfrm>
-            <a:prstGeom prst="flowChartProcess">
-              <a:avLst/>
+            <a:prstGeom prst="roundRect">
+              <a:avLst>
+                <a:gd name="adj" fmla="val 50000"/>
+              </a:avLst>
             </a:prstGeom>
             <a:solidFill>
-              <a:srgbClr val="FED7DA"/>
+              <a:srgbClr val="4082EE"/>
             </a:solidFill>
-            <a:ln w="6350" cmpd="sng">
+            <a:ln w="3175" cmpd="sng">
               <a:noFill/>
             </a:ln>
           </p:spPr>
@@ -5048,267 +4091,111 @@
             </a:fontRef>
           </p:style>
           <p:txBody>
-            <a:bodyPr rot="0" spcFirstLastPara="0" vertOverflow="overflow" horzOverflow="overflow" vert="horz" wrap="square" lIns="0" tIns="0" rIns="0" bIns="0" numCol="1" spcCol="0" rtlCol="0" fromWordArt="0" anchor="ctr" anchorCtr="0" forceAA="0" compatLnSpc="1">
-              <a:prstTxWarp prst="textNoShape">
-                <a:avLst/>
-              </a:prstTxWarp>
-              <a:noAutofit/>
-            </a:bodyPr>
+            <a:bodyPr rtlCol="0" anchor="ctr"/>
             <a:lstStyle/>
             <a:p>
-              <a:pPr marL="0" lvl="1"/>
-              <a:r>
-                <a:rPr lang="en-US" sz="1400" dirty="0">
-                  <a:latin typeface="Arial"/>
-                  <a:cs typeface="Arial"/>
-                </a:rPr>
-                <a:t>  Annotations:</a:t>
-              </a:r>
-            </a:p>
-            <a:p>
-              <a:pPr marL="0" lvl="1"/>
-              <a:r>
-                <a:rPr lang="en-US" sz="1400" dirty="0">
-                  <a:latin typeface="Arial"/>
-                  <a:cs typeface="Arial"/>
-                </a:rPr>
-                <a:t>    - Known domain IDs</a:t>
-              </a:r>
-            </a:p>
-            <a:p>
-              <a:pPr marL="0" lvl="1"/>
-              <a:r>
-                <a:rPr lang="en-US" sz="1400" dirty="0">
-                  <a:latin typeface="Arial"/>
-                  <a:cs typeface="Arial"/>
-                </a:rPr>
-                <a:t>    - Contig locations</a:t>
-              </a:r>
-            </a:p>
-            <a:p>
-              <a:pPr marL="0" lvl="1"/>
-              <a:r>
-                <a:rPr lang="en-US" sz="1400" dirty="0">
-                  <a:latin typeface="Arial"/>
-                  <a:cs typeface="Arial"/>
-                </a:rPr>
-                <a:t>    - Scores</a:t>
-              </a:r>
+              <a:pPr algn="ctr"/>
+              <a:endParaRPr lang="en-US"/>
             </a:p>
           </p:txBody>
         </p:sp>
-        <p:sp>
-          <p:nvSpPr>
-            <p:cNvPr id="15" name="Process 14">
+        <p:cxnSp>
+          <p:nvCxnSpPr>
+            <p:cNvPr id="55" name="Straight Connector 54">
               <a:extLst>
                 <a:ext uri="{FF2B5EF4-FFF2-40B4-BE49-F238E27FC236}">
-                  <a16:creationId xmlns:a16="http://schemas.microsoft.com/office/drawing/2014/main" id="{4C3B26FB-9163-A34C-BFD0-E127159FC887}"/>
+                  <a16:creationId xmlns:a16="http://schemas.microsoft.com/office/drawing/2014/main" id="{BB418B1D-211D-3640-B2FF-3CF3CDF3B7AB}"/>
                 </a:ext>
               </a:extLst>
             </p:cNvPr>
-            <p:cNvSpPr/>
+            <p:cNvCxnSpPr>
+              <a:stCxn id="52" idx="3"/>
+              <a:endCxn id="53" idx="1"/>
+            </p:cNvCxnSpPr>
             <p:nvPr/>
-          </p:nvSpPr>
+          </p:nvCxnSpPr>
           <p:spPr>
             <a:xfrm>
-              <a:off x="8787941" y="4917030"/>
-              <a:ext cx="1925360" cy="722512"/>
+              <a:off x="6136711" y="1122301"/>
+              <a:ext cx="32481" cy="0"/>
             </a:xfrm>
-            <a:prstGeom prst="flowChartProcess">
+            <a:prstGeom prst="line">
               <a:avLst/>
             </a:prstGeom>
-            <a:ln w="6350" cmpd="sng"/>
+            <a:ln>
+              <a:solidFill>
+                <a:schemeClr val="bg1">
+                  <a:lumMod val="85000"/>
+                </a:schemeClr>
+              </a:solidFill>
+            </a:ln>
           </p:spPr>
           <p:style>
-            <a:lnRef idx="2">
+            <a:lnRef idx="1">
               <a:schemeClr val="dk1"/>
             </a:lnRef>
-            <a:fillRef idx="1">
-              <a:schemeClr val="lt1"/>
+            <a:fillRef idx="0">
+              <a:schemeClr val="dk1"/>
             </a:fillRef>
             <a:effectRef idx="0">
               <a:schemeClr val="dk1"/>
             </a:effectRef>
             <a:fontRef idx="minor">
-              <a:schemeClr val="dk1"/>
+              <a:schemeClr val="tx1"/>
             </a:fontRef>
           </p:style>
-          <p:txBody>
-            <a:bodyPr rot="0" spcFirstLastPara="0" vertOverflow="overflow" horzOverflow="overflow" vert="horz" wrap="square" lIns="0" tIns="0" rIns="0" bIns="0" numCol="1" spcCol="0" rtlCol="0" fromWordArt="0" anchor="ctr" anchorCtr="0" forceAA="0" compatLnSpc="1">
-              <a:prstTxWarp prst="textNoShape">
-                <a:avLst/>
-              </a:prstTxWarp>
-              <a:noAutofit/>
-            </a:bodyPr>
-            <a:lstStyle/>
-            <a:p>
-              <a:pPr algn="ctr"/>
-              <a:r>
-                <a:rPr lang="en-US" b="1" dirty="0">
-                  <a:latin typeface="Arial"/>
-                  <a:cs typeface="Arial"/>
-                </a:rPr>
-                <a:t>Output</a:t>
-              </a:r>
-            </a:p>
-          </p:txBody>
-        </p:sp>
-      </p:grpSp>
-      <p:grpSp>
-        <p:nvGrpSpPr>
-          <p:cNvPr id="16" name="Group 15">
-            <a:extLst>
-              <a:ext uri="{FF2B5EF4-FFF2-40B4-BE49-F238E27FC236}">
-                <a16:creationId xmlns:a16="http://schemas.microsoft.com/office/drawing/2014/main" id="{CEA90E68-8790-2E49-922A-1E4FD8C44CDC}"/>
-              </a:ext>
-            </a:extLst>
-          </p:cNvPr>
-          <p:cNvGrpSpPr/>
-          <p:nvPr/>
-        </p:nvGrpSpPr>
-        <p:grpSpPr>
-          <a:xfrm>
-            <a:off x="4423487" y="2052860"/>
-            <a:ext cx="1925724" cy="1802512"/>
-            <a:chOff x="5885139" y="3993158"/>
-            <a:chExt cx="1925724" cy="1802512"/>
-          </a:xfrm>
-        </p:grpSpPr>
-        <p:sp>
-          <p:nvSpPr>
-            <p:cNvPr id="17" name="Process 16">
+        </p:cxnSp>
+        <p:cxnSp>
+          <p:nvCxnSpPr>
+            <p:cNvPr id="56" name="Straight Connector 55">
               <a:extLst>
                 <a:ext uri="{FF2B5EF4-FFF2-40B4-BE49-F238E27FC236}">
-                  <a16:creationId xmlns:a16="http://schemas.microsoft.com/office/drawing/2014/main" id="{24F9E091-C818-0D47-B76C-076F58097E06}"/>
+                  <a16:creationId xmlns:a16="http://schemas.microsoft.com/office/drawing/2014/main" id="{32490A99-CC55-4840-BF88-2F7DE5739A4A}"/>
                 </a:ext>
               </a:extLst>
             </p:cNvPr>
-            <p:cNvSpPr/>
+            <p:cNvCxnSpPr>
+              <a:stCxn id="53" idx="3"/>
+              <a:endCxn id="54" idx="1"/>
+            </p:cNvCxnSpPr>
             <p:nvPr/>
-          </p:nvSpPr>
+          </p:nvCxnSpPr>
           <p:spPr>
             <a:xfrm>
-              <a:off x="5885503" y="4715670"/>
-              <a:ext cx="1925360" cy="1080000"/>
+              <a:off x="6361616" y="1122301"/>
+              <a:ext cx="32481" cy="0"/>
             </a:xfrm>
-            <a:prstGeom prst="flowChartProcess">
+            <a:prstGeom prst="line">
               <a:avLst/>
             </a:prstGeom>
-            <a:solidFill>
-              <a:schemeClr val="accent4">
-                <a:lumMod val="20000"/>
-                <a:lumOff val="80000"/>
-              </a:schemeClr>
-            </a:solidFill>
-            <a:ln w="6350" cmpd="sng">
-              <a:noFill/>
+            <a:ln>
+              <a:solidFill>
+                <a:schemeClr val="bg1">
+                  <a:lumMod val="85000"/>
+                </a:schemeClr>
+              </a:solidFill>
             </a:ln>
           </p:spPr>
           <p:style>
-            <a:lnRef idx="2">
+            <a:lnRef idx="1">
               <a:schemeClr val="dk1"/>
             </a:lnRef>
-            <a:fillRef idx="1">
-              <a:schemeClr val="lt1"/>
+            <a:fillRef idx="0">
+              <a:schemeClr val="dk1"/>
             </a:fillRef>
             <a:effectRef idx="0">
               <a:schemeClr val="dk1"/>
             </a:effectRef>
             <a:fontRef idx="minor">
-              <a:schemeClr val="dk1"/>
+              <a:schemeClr val="tx1"/>
             </a:fontRef>
           </p:style>
-          <p:txBody>
-            <a:bodyPr rot="0" spcFirstLastPara="0" vertOverflow="overflow" horzOverflow="overflow" vert="horz" wrap="square" lIns="0" tIns="0" rIns="0" bIns="0" numCol="1" spcCol="0" rtlCol="0" fromWordArt="0" anchor="ctr" anchorCtr="0" forceAA="0" compatLnSpc="1">
-              <a:prstTxWarp prst="textNoShape">
-                <a:avLst/>
-              </a:prstTxWarp>
-              <a:noAutofit/>
-            </a:bodyPr>
-            <a:lstStyle/>
-            <a:p>
-              <a:pPr algn="ctr"/>
-              <a:r>
-                <a:rPr lang="en-US" sz="1400" dirty="0">
-                  <a:latin typeface="Arial" panose="020B0604020202020204" pitchFamily="34" charset="0"/>
-                  <a:cs typeface="Arial" panose="020B0604020202020204" pitchFamily="34" charset="0"/>
-                </a:rPr>
-                <a:t>Reverse Position-Specific BLAST</a:t>
-              </a:r>
-            </a:p>
-            <a:p>
-              <a:pPr algn="ctr"/>
-              <a:r>
-                <a:rPr lang="en-US" sz="1400" dirty="0">
-                  <a:latin typeface="Arial" panose="020B0604020202020204" pitchFamily="34" charset="0"/>
-                  <a:cs typeface="Arial" panose="020B0604020202020204" pitchFamily="34" charset="0"/>
-                </a:rPr>
-                <a:t>(RPS-BLAST) or HMMER</a:t>
-              </a:r>
-            </a:p>
-          </p:txBody>
-        </p:sp>
-        <p:sp>
-          <p:nvSpPr>
-            <p:cNvPr id="18" name="Process 17">
-              <a:extLst>
-                <a:ext uri="{FF2B5EF4-FFF2-40B4-BE49-F238E27FC236}">
-                  <a16:creationId xmlns:a16="http://schemas.microsoft.com/office/drawing/2014/main" id="{E4CA2351-8C1E-B44D-B11B-FD777CEDD797}"/>
-                </a:ext>
-              </a:extLst>
-            </p:cNvPr>
-            <p:cNvSpPr/>
-            <p:nvPr/>
-          </p:nvSpPr>
-          <p:spPr>
-            <a:xfrm>
-              <a:off x="5885139" y="3993158"/>
-              <a:ext cx="1925360" cy="722512"/>
-            </a:xfrm>
-            <a:prstGeom prst="flowChartProcess">
-              <a:avLst/>
-            </a:prstGeom>
-            <a:ln w="6350" cmpd="sng"/>
-          </p:spPr>
-          <p:style>
-            <a:lnRef idx="2">
-              <a:schemeClr val="dk1"/>
-            </a:lnRef>
-            <a:fillRef idx="1">
-              <a:schemeClr val="lt1"/>
-            </a:fillRef>
-            <a:effectRef idx="0">
-              <a:schemeClr val="dk1"/>
-            </a:effectRef>
-            <a:fontRef idx="minor">
-              <a:schemeClr val="dk1"/>
-            </a:fontRef>
-          </p:style>
-          <p:txBody>
-            <a:bodyPr rot="0" spcFirstLastPara="0" vertOverflow="overflow" horzOverflow="overflow" vert="horz" wrap="square" lIns="0" tIns="0" rIns="0" bIns="0" numCol="1" spcCol="0" rtlCol="0" fromWordArt="0" anchor="ctr" anchorCtr="0" forceAA="0" compatLnSpc="1">
-              <a:prstTxWarp prst="textNoShape">
-                <a:avLst/>
-              </a:prstTxWarp>
-              <a:noAutofit/>
-            </a:bodyPr>
-            <a:lstStyle/>
-            <a:p>
-              <a:pPr algn="ctr"/>
-              <a:r>
-                <a:rPr lang="en-US" b="1" dirty="0">
-                  <a:latin typeface="Arial" panose="020B0604020202020204" pitchFamily="34" charset="0"/>
-                  <a:cs typeface="Arial" panose="020B0604020202020204" pitchFamily="34" charset="0"/>
-                </a:rPr>
-                <a:t>Domain search</a:t>
-              </a:r>
-            </a:p>
-          </p:txBody>
-        </p:sp>
+        </p:cxnSp>
       </p:grpSp>
     </p:spTree>
     <p:extLst>
       <p:ext uri="{BB962C8B-B14F-4D97-AF65-F5344CB8AC3E}">
-        <p14:creationId xmlns:p14="http://schemas.microsoft.com/office/powerpoint/2010/main" val="133934671"/>
+        <p14:creationId xmlns:p14="http://schemas.microsoft.com/office/powerpoint/2010/main" val="3758019890"/>
       </p:ext>
     </p:extLst>
   </p:cSld>
